--- a/PowerPoint/PPT Test Droplet.pptx
+++ b/PowerPoint/PPT Test Droplet.pptx
@@ -104,6 +104,11 @@
       </a:defRPr>
     </a:lvl9pPr>
   </p:defaultTextStyle>
+  <p:extLst>
+    <p:ext uri="{EFAFB233-063F-42B5-8137-9DF3F51BA10A}">
+      <p15:sldGuideLst xmlns:p15="http://schemas.microsoft.com/office/powerpoint/2012/main"/>
+    </p:ext>
+  </p:extLst>
 </p:presentation>
 </file>
 
@@ -278,7 +283,7 @@
           <a:p>
             <a:fld id="{48A87A34-81AB-432B-8DAE-1953F412C126}" type="datetimeFigureOut">
               <a:rPr lang="en-US" dirty="0"/>
-              <a:t>8/31/2014</a:t>
+              <a:t>11/14/2014</a:t>
             </a:fld>
             <a:endParaRPr lang="en-US" dirty="0"/>
           </a:p>
@@ -585,7 +590,7 @@
           <a:p>
             <a:fld id="{48A87A34-81AB-432B-8DAE-1953F412C126}" type="datetimeFigureOut">
               <a:rPr lang="en-US" dirty="0"/>
-              <a:t>8/31/2014</a:t>
+              <a:t>11/14/2014</a:t>
             </a:fld>
             <a:endParaRPr lang="en-US" dirty="0"/>
           </a:p>
@@ -802,7 +807,7 @@
           <a:p>
             <a:fld id="{48A87A34-81AB-432B-8DAE-1953F412C126}" type="datetimeFigureOut">
               <a:rPr lang="en-US" dirty="0"/>
-              <a:t>8/31/2014</a:t>
+              <a:t>11/14/2014</a:t>
             </a:fld>
             <a:endParaRPr lang="en-US" dirty="0"/>
           </a:p>
@@ -1088,7 +1093,7 @@
           <a:p>
             <a:fld id="{48A87A34-81AB-432B-8DAE-1953F412C126}" type="datetimeFigureOut">
               <a:rPr lang="en-US" dirty="0"/>
-              <a:t>8/31/2014</a:t>
+              <a:t>11/14/2014</a:t>
             </a:fld>
             <a:endParaRPr lang="en-US" dirty="0"/>
           </a:p>
@@ -1537,7 +1542,7 @@
           <a:p>
             <a:fld id="{48A87A34-81AB-432B-8DAE-1953F412C126}" type="datetimeFigureOut">
               <a:rPr lang="en-US" dirty="0"/>
-              <a:t>8/31/2014</a:t>
+              <a:t>11/14/2014</a:t>
             </a:fld>
             <a:endParaRPr lang="en-US" dirty="0"/>
           </a:p>
@@ -2108,7 +2113,7 @@
           <a:p>
             <a:fld id="{48A87A34-81AB-432B-8DAE-1953F412C126}" type="datetimeFigureOut">
               <a:rPr lang="en-US" dirty="0"/>
-              <a:t>8/31/2014</a:t>
+              <a:t>11/14/2014</a:t>
             </a:fld>
             <a:endParaRPr lang="en-US" dirty="0"/>
           </a:p>
@@ -2955,7 +2960,7 @@
           <a:p>
             <a:fld id="{48A87A34-81AB-432B-8DAE-1953F412C126}" type="datetimeFigureOut">
               <a:rPr lang="en-US" dirty="0"/>
-              <a:t>8/31/2014</a:t>
+              <a:t>11/14/2014</a:t>
             </a:fld>
             <a:endParaRPr lang="en-US" dirty="0"/>
           </a:p>
@@ -3155,7 +3160,7 @@
           <a:p>
             <a:fld id="{48A87A34-81AB-432B-8DAE-1953F412C126}" type="datetimeFigureOut">
               <a:rPr lang="en-US" dirty="0"/>
-              <a:t>8/31/2014</a:t>
+              <a:t>11/14/2014</a:t>
             </a:fld>
             <a:endParaRPr lang="en-US" dirty="0"/>
           </a:p>
@@ -3364,7 +3369,7 @@
           <a:p>
             <a:fld id="{48A87A34-81AB-432B-8DAE-1953F412C126}" type="datetimeFigureOut">
               <a:rPr lang="en-US" dirty="0"/>
-              <a:t>8/31/2014</a:t>
+              <a:t>11/14/2014</a:t>
             </a:fld>
             <a:endParaRPr lang="en-US" dirty="0"/>
           </a:p>
@@ -3564,7 +3569,7 @@
           <a:p>
             <a:fld id="{48A87A34-81AB-432B-8DAE-1953F412C126}" type="datetimeFigureOut">
               <a:rPr lang="en-US" dirty="0"/>
-              <a:t>8/31/2014</a:t>
+              <a:t>11/14/2014</a:t>
             </a:fld>
             <a:endParaRPr lang="en-US" dirty="0"/>
           </a:p>
@@ -3839,7 +3844,7 @@
           <a:p>
             <a:fld id="{48A87A34-81AB-432B-8DAE-1953F412C126}" type="datetimeFigureOut">
               <a:rPr lang="en-US" dirty="0"/>
-              <a:t>8/31/2014</a:t>
+              <a:t>11/14/2014</a:t>
             </a:fld>
             <a:endParaRPr lang="en-US" dirty="0"/>
           </a:p>
@@ -4101,7 +4106,7 @@
           <a:p>
             <a:fld id="{48A87A34-81AB-432B-8DAE-1953F412C126}" type="datetimeFigureOut">
               <a:rPr lang="en-US" dirty="0"/>
-              <a:t>8/31/2014</a:t>
+              <a:t>11/14/2014</a:t>
             </a:fld>
             <a:endParaRPr lang="en-US" dirty="0"/>
           </a:p>
@@ -4511,7 +4516,7 @@
           <a:p>
             <a:fld id="{48A87A34-81AB-432B-8DAE-1953F412C126}" type="datetimeFigureOut">
               <a:rPr lang="en-US" dirty="0"/>
-              <a:t>8/31/2014</a:t>
+              <a:t>11/14/2014</a:t>
             </a:fld>
             <a:endParaRPr lang="en-US" dirty="0"/>
           </a:p>
@@ -4654,7 +4659,7 @@
           <a:p>
             <a:fld id="{48A87A34-81AB-432B-8DAE-1953F412C126}" type="datetimeFigureOut">
               <a:rPr lang="en-US" dirty="0"/>
-              <a:t>8/31/2014</a:t>
+              <a:t>11/14/2014</a:t>
             </a:fld>
             <a:endParaRPr lang="en-US" dirty="0"/>
           </a:p>
@@ -4774,7 +4779,7 @@
           <a:p>
             <a:fld id="{48A87A34-81AB-432B-8DAE-1953F412C126}" type="datetimeFigureOut">
               <a:rPr lang="en-US" dirty="0"/>
-              <a:t>8/31/2014</a:t>
+              <a:t>11/14/2014</a:t>
             </a:fld>
             <a:endParaRPr lang="en-US" dirty="0"/>
           </a:p>
@@ -5048,7 +5053,7 @@
           <a:p>
             <a:fld id="{48A87A34-81AB-432B-8DAE-1953F412C126}" type="datetimeFigureOut">
               <a:rPr lang="en-US" dirty="0"/>
-              <a:t>8/31/2014</a:t>
+              <a:t>11/14/2014</a:t>
             </a:fld>
             <a:endParaRPr lang="en-US" dirty="0"/>
           </a:p>
@@ -5355,7 +5360,7 @@
           <a:p>
             <a:fld id="{48A87A34-81AB-432B-8DAE-1953F412C126}" type="datetimeFigureOut">
               <a:rPr lang="en-US" dirty="0"/>
-              <a:t>8/31/2014</a:t>
+              <a:t>11/14/2014</a:t>
             </a:fld>
             <a:endParaRPr lang="en-US" dirty="0"/>
           </a:p>
@@ -5604,7 +5609,7 @@
             <a:fld id="{48A87A34-81AB-432B-8DAE-1953F412C126}" type="datetimeFigureOut">
               <a:rPr lang="en-US" dirty="0"/>
               <a:pPr/>
-              <a:t>8/31/2014</a:t>
+              <a:t>11/14/2014</a:t>
             </a:fld>
             <a:endParaRPr lang="en-US" dirty="0"/>
           </a:p>
@@ -6059,7 +6064,11 @@
           <a:bodyPr/>
           <a:lstStyle/>
           <a:p>
-            <a:endParaRPr lang="en-US"/>
+            <a:r>
+              <a:rPr lang="en-US" smtClean="0"/>
+              <a:t>TEST</a:t>
+            </a:r>
+            <a:endParaRPr lang="en-US" dirty="0"/>
           </a:p>
         </p:txBody>
       </p:sp>

--- a/PowerPoint/PPT Test Droplet.pptx
+++ b/PowerPoint/PPT Test Droplet.pptx
@@ -6066,7 +6066,7 @@
           <a:p>
             <a:r>
               <a:rPr lang="en-US" smtClean="0"/>
-              <a:t>TEST</a:t>
+              <a:t>TESTwdwqdwq</a:t>
             </a:r>
             <a:endParaRPr lang="en-US" dirty="0"/>
           </a:p>

--- a/PowerPoint/PPT Test Droplet.pptx
+++ b/PowerPoint/PPT Test Droplet.pptx
@@ -6066,7 +6066,7 @@
           <a:p>
             <a:r>
               <a:rPr lang="en-US" smtClean="0"/>
-              <a:t>TESTwdwqdwq</a:t>
+              <a:t>TEST</a:t>
             </a:r>
             <a:endParaRPr lang="en-US" dirty="0"/>
           </a:p>

--- a/PowerPoint/PPT Test Droplet.pptx
+++ b/PowerPoint/PPT Test Droplet.pptx
@@ -6066,7 +6066,7 @@
           <a:p>
             <a:r>
               <a:rPr lang="en-US" smtClean="0"/>
-              <a:t>TESTwdwqdwq</a:t>
+              <a:t>TESTwdwqdwefefewfewfq</a:t>
             </a:r>
             <a:endParaRPr lang="en-US" dirty="0"/>
           </a:p>
